--- a/EngineeringDesign/ECE_QuadChart draft.pptx
+++ b/EngineeringDesign/ECE_QuadChart draft.pptx
@@ -5,11 +5,10 @@
     <p:sldMasterId id="2147483680" r:id="rId1"/>
   </p:sldMasterIdLst>
   <p:notesMasterIdLst>
-    <p:notesMasterId r:id="rId4"/>
+    <p:notesMasterId r:id="rId3"/>
   </p:notesMasterIdLst>
   <p:sldIdLst>
-    <p:sldId id="290" r:id="rId2"/>
-    <p:sldId id="291" r:id="rId3"/>
+    <p:sldId id="291" r:id="rId2"/>
   </p:sldIdLst>
   <p:sldSz cx="43891200" cy="32918400"/>
   <p:notesSz cx="6997700" cy="9271000"/>
@@ -224,7 +223,7 @@
             <a:fld id="{4E6FBB30-8580-4842-B7AE-628EE6A19D00}" type="datetimeFigureOut">
               <a:rPr lang="en-US" smtClean="0"/>
               <a:pPr/>
-              <a:t>4/22/2022</a:t>
+              <a:t>4/29/2022</a:t>
             </a:fld>
             <a:endParaRPr lang="en-US"/>
           </a:p>
@@ -569,99 +568,25 @@
           </a:bodyPr>
           <a:lstStyle/>
           <a:p>
-            <a:endParaRPr lang="en-US"/>
-          </a:p>
-        </p:txBody>
-      </p:sp>
-    </p:spTree>
-    <p:extLst>
-      <p:ext uri="{BB962C8B-B14F-4D97-AF65-F5344CB8AC3E}">
-        <p14:creationId xmlns:p14="http://schemas.microsoft.com/office/powerpoint/2010/main" val="2325315882"/>
-      </p:ext>
-    </p:extLst>
-  </p:cSld>
-  <p:clrMapOvr>
-    <a:masterClrMapping/>
-  </p:clrMapOvr>
-</p:notes>
-</file>
-
-<file path=ppt/notesSlides/notesSlide2.xml><?xml version="1.0" encoding="utf-8"?>
-<p:notes xmlns:a="http://schemas.openxmlformats.org/drawingml/2006/main" xmlns:r="http://schemas.openxmlformats.org/officeDocument/2006/relationships" xmlns:p="http://schemas.openxmlformats.org/presentationml/2006/main">
-  <p:cSld>
-    <p:spTree>
-      <p:nvGrpSpPr>
-        <p:cNvPr id="1" name=""/>
-        <p:cNvGrpSpPr/>
-        <p:nvPr/>
-      </p:nvGrpSpPr>
-      <p:grpSpPr>
-        <a:xfrm>
-          <a:off x="0" y="0"/>
-          <a:ext cx="0" cy="0"/>
-          <a:chOff x="0" y="0"/>
-          <a:chExt cx="0" cy="0"/>
-        </a:xfrm>
-      </p:grpSpPr>
-      <p:sp>
-        <p:nvSpPr>
-          <p:cNvPr id="4" name="Slide Number Placeholder 3"/>
-          <p:cNvSpPr>
-            <a:spLocks noGrp="1"/>
-          </p:cNvSpPr>
-          <p:nvPr>
-            <p:ph type="sldNum" sz="quarter" idx="10"/>
-          </p:nvPr>
-        </p:nvSpPr>
-        <p:spPr/>
-        <p:txBody>
-          <a:bodyPr/>
-          <a:lstStyle/>
-          <a:p>
-            <a:fld id="{AFB74DD0-069B-43A0-94EF-69C9E07652F6}" type="slidenum">
-              <a:rPr lang="en-US" smtClean="0"/>
-              <a:pPr/>
-              <a:t>2</a:t>
-            </a:fld>
+            <a:r>
+              <a:rPr lang="en-US" dirty="0"/>
+              <a:t>1 more bullet point  in methods</a:t>
+            </a:r>
+          </a:p>
+          <a:p>
+            <a:r>
+              <a:rPr lang="en-US" dirty="0"/>
+              <a:t>White space between titles and text.</a:t>
+            </a:r>
+          </a:p>
+          <a:p>
+            <a:r>
+              <a:rPr lang="en-US" dirty="0"/>
+              <a:t>Parallel structure inn project</a:t>
+            </a:r>
+          </a:p>
+          <a:p>
             <a:endParaRPr lang="en-US" dirty="0"/>
-          </a:p>
-        </p:txBody>
-      </p:sp>
-      <p:sp>
-        <p:nvSpPr>
-          <p:cNvPr id="6" name="Slide Image Placeholder 5"/>
-          <p:cNvSpPr>
-            <a:spLocks noGrp="1" noRot="1" noChangeAspect="1"/>
-          </p:cNvSpPr>
-          <p:nvPr>
-            <p:ph type="sldImg"/>
-          </p:nvPr>
-        </p:nvSpPr>
-        <p:spPr>
-          <a:xfrm>
-            <a:off x="995363" y="466725"/>
-            <a:ext cx="5006975" cy="3756025"/>
-          </a:xfrm>
-        </p:spPr>
-      </p:sp>
-      <p:sp>
-        <p:nvSpPr>
-          <p:cNvPr id="7" name="Notes Placeholder 6"/>
-          <p:cNvSpPr>
-            <a:spLocks noGrp="1"/>
-          </p:cNvSpPr>
-          <p:nvPr>
-            <p:ph type="body" idx="1"/>
-          </p:nvPr>
-        </p:nvSpPr>
-        <p:spPr/>
-        <p:txBody>
-          <a:bodyPr>
-            <a:normAutofit/>
-          </a:bodyPr>
-          <a:lstStyle/>
-          <a:p>
-            <a:endParaRPr lang="en-US"/>
           </a:p>
         </p:txBody>
       </p:sp>
@@ -1979,1103 +1904,6 @@
       </p:grpSpPr>
       <p:sp>
         <p:nvSpPr>
-          <p:cNvPr id="3" name="Title 2"/>
-          <p:cNvSpPr>
-            <a:spLocks noGrp="1"/>
-          </p:cNvSpPr>
-          <p:nvPr>
-            <p:ph type="title"/>
-          </p:nvPr>
-        </p:nvSpPr>
-        <p:spPr>
-          <a:xfrm>
-            <a:off x="2600539" y="1393627"/>
-            <a:ext cx="38020944" cy="1861430"/>
-          </a:xfrm>
-        </p:spPr>
-        <p:txBody>
-          <a:bodyPr/>
-          <a:lstStyle/>
-          <a:p>
-            <a:pPr algn="ctr"/>
-            <a:r>
-              <a:rPr lang="en-US" dirty="0">
-                <a:solidFill>
-                  <a:schemeClr val="tx1"/>
-                </a:solidFill>
-              </a:rPr>
-              <a:t>Title</a:t>
-            </a:r>
-            <a:endParaRPr lang="en-US" dirty="0"/>
-          </a:p>
-        </p:txBody>
-      </p:sp>
-      <p:cxnSp>
-        <p:nvCxnSpPr>
-          <p:cNvPr id="6" name="Straight Connector 2"/>
-          <p:cNvCxnSpPr>
-            <a:cxnSpLocks noChangeShapeType="1"/>
-          </p:cNvCxnSpPr>
-          <p:nvPr/>
-        </p:nvCxnSpPr>
-        <p:spPr bwMode="auto">
-          <a:xfrm flipH="1">
-            <a:off x="21944296" y="3968492"/>
-            <a:ext cx="1265" cy="26690021"/>
-          </a:xfrm>
-          <a:prstGeom prst="line">
-            <a:avLst/>
-          </a:prstGeom>
-          <a:noFill/>
-          <a:ln w="38100" algn="ctr">
-            <a:solidFill>
-              <a:srgbClr val="033B4C"/>
-            </a:solidFill>
-            <a:round/>
-            <a:headEnd/>
-            <a:tailEnd/>
-          </a:ln>
-        </p:spPr>
-      </p:cxnSp>
-      <p:cxnSp>
-        <p:nvCxnSpPr>
-          <p:cNvPr id="7" name="Straight Connector 7"/>
-          <p:cNvCxnSpPr>
-            <a:cxnSpLocks noChangeShapeType="1"/>
-          </p:cNvCxnSpPr>
-          <p:nvPr/>
-        </p:nvCxnSpPr>
-        <p:spPr bwMode="auto">
-          <a:xfrm flipH="1">
-            <a:off x="0" y="17169816"/>
-            <a:ext cx="43891200" cy="0"/>
-          </a:xfrm>
-          <a:prstGeom prst="line">
-            <a:avLst/>
-          </a:prstGeom>
-          <a:noFill/>
-          <a:ln w="38100" algn="ctr">
-            <a:solidFill>
-              <a:srgbClr val="033B4C"/>
-            </a:solidFill>
-            <a:round/>
-            <a:headEnd/>
-            <a:tailEnd/>
-          </a:ln>
-        </p:spPr>
-      </p:cxnSp>
-      <p:sp>
-        <p:nvSpPr>
-          <p:cNvPr id="8" name="Content Placeholder 2"/>
-          <p:cNvSpPr>
-            <a:spLocks noGrp="1"/>
-          </p:cNvSpPr>
-          <p:nvPr>
-            <p:ph sz="quarter" idx="4294967295"/>
-          </p:nvPr>
-        </p:nvSpPr>
-        <p:spPr>
-          <a:xfrm>
-            <a:off x="950976" y="4835866"/>
-            <a:ext cx="19743202" cy="5089983"/>
-          </a:xfrm>
-          <a:prstGeom prst="rect">
-            <a:avLst/>
-          </a:prstGeom>
-        </p:spPr>
-        <p:txBody>
-          <a:bodyPr/>
-          <a:lstStyle/>
-          <a:p>
-            <a:pPr marL="0" indent="0" algn="ctr">
-              <a:buNone/>
-              <a:defRPr/>
-            </a:pPr>
-            <a:r>
-              <a:rPr lang="en-US" sz="8640" b="1" dirty="0"/>
-              <a:t>Project</a:t>
-            </a:r>
-          </a:p>
-          <a:p>
-            <a:pPr marL="0" indent="0">
-              <a:buNone/>
-              <a:defRPr/>
-            </a:pPr>
-            <a:r>
-              <a:rPr lang="en-US" sz="4000" dirty="0"/>
-              <a:t>Problem description and/or motivation</a:t>
-            </a:r>
-          </a:p>
-          <a:p>
-            <a:pPr>
-              <a:defRPr/>
-            </a:pPr>
-            <a:r>
-              <a:rPr lang="en-US" sz="4000" dirty="0"/>
-              <a:t>What problem did you try to solve?</a:t>
-            </a:r>
-          </a:p>
-          <a:p>
-            <a:pPr>
-              <a:defRPr/>
-            </a:pPr>
-            <a:r>
-              <a:rPr lang="en-US" sz="4000" dirty="0"/>
-              <a:t>Why should your reader be interested?</a:t>
-            </a:r>
-          </a:p>
-        </p:txBody>
-      </p:sp>
-      <p:sp>
-        <p:nvSpPr>
-          <p:cNvPr id="9" name="Content Placeholder 2"/>
-          <p:cNvSpPr txBox="1">
-            <a:spLocks/>
-          </p:cNvSpPr>
-          <p:nvPr/>
-        </p:nvSpPr>
-        <p:spPr bwMode="auto">
-          <a:xfrm>
-            <a:off x="950976" y="18076378"/>
-            <a:ext cx="19843753" cy="12070080"/>
-          </a:xfrm>
-          <a:prstGeom prst="rect">
-            <a:avLst/>
-          </a:prstGeom>
-          <a:noFill/>
-          <a:ln>
-            <a:noFill/>
-          </a:ln>
-          <a:extLst>
-            <a:ext uri="{909E8E84-426E-40DD-AFC4-6F175D3DCCD1}">
-              <a14:hiddenFill xmlns:a14="http://schemas.microsoft.com/office/drawing/2010/main">
-                <a:solidFill>
-                  <a:srgbClr val="FFFFFF"/>
-                </a:solidFill>
-              </a14:hiddenFill>
-            </a:ext>
-            <a:ext uri="{91240B29-F687-4F45-9708-019B960494DF}">
-              <a14:hiddenLine xmlns:a14="http://schemas.microsoft.com/office/drawing/2010/main" w="9525">
-                <a:solidFill>
-                  <a:srgbClr val="000000"/>
-                </a:solidFill>
-                <a:miter lim="800000"/>
-                <a:headEnd/>
-                <a:tailEnd/>
-              </a14:hiddenLine>
-            </a:ext>
-          </a:extLst>
-        </p:spPr>
-        <p:txBody>
-          <a:bodyPr/>
-          <a:lstStyle>
-            <a:lvl1pPr marL="342900" indent="-342900" algn="l" rtl="0" eaLnBrk="0" fontAlgn="base" hangingPunct="0">
-              <a:spcBef>
-                <a:spcPct val="20000"/>
-              </a:spcBef>
-              <a:spcAft>
-                <a:spcPct val="0"/>
-              </a:spcAft>
-              <a:buClr>
-                <a:schemeClr val="tx2">
-                  <a:lumMod val="75000"/>
-                </a:schemeClr>
-              </a:buClr>
-              <a:buFont typeface="Wingdings" pitchFamily="2" charset="2"/>
-              <a:buChar char="l"/>
-              <a:defRPr sz="3100">
-                <a:solidFill>
-                  <a:srgbClr val="264D4D"/>
-                </a:solidFill>
-                <a:latin typeface="+mn-lt"/>
-                <a:ea typeface="+mn-ea"/>
-                <a:cs typeface="+mn-cs"/>
-              </a:defRPr>
-            </a:lvl1pPr>
-            <a:lvl2pPr marL="742950" indent="-285750" algn="l" rtl="0" eaLnBrk="0" fontAlgn="base" hangingPunct="0">
-              <a:spcBef>
-                <a:spcPct val="20000"/>
-              </a:spcBef>
-              <a:spcAft>
-                <a:spcPct val="0"/>
-              </a:spcAft>
-              <a:buClr>
-                <a:schemeClr val="tx2">
-                  <a:lumMod val="75000"/>
-                </a:schemeClr>
-              </a:buClr>
-              <a:buChar char="•"/>
-              <a:defRPr sz="2600">
-                <a:solidFill>
-                  <a:srgbClr val="264D4D"/>
-                </a:solidFill>
-                <a:latin typeface="+mn-lt"/>
-              </a:defRPr>
-            </a:lvl2pPr>
-            <a:lvl3pPr marL="1143000" indent="-228600" algn="l" rtl="0" eaLnBrk="0" fontAlgn="base" hangingPunct="0">
-              <a:spcBef>
-                <a:spcPct val="20000"/>
-              </a:spcBef>
-              <a:spcAft>
-                <a:spcPct val="0"/>
-              </a:spcAft>
-              <a:buClr>
-                <a:schemeClr val="tx2">
-                  <a:lumMod val="75000"/>
-                </a:schemeClr>
-              </a:buClr>
-              <a:buChar char="•"/>
-              <a:defRPr sz="2200">
-                <a:solidFill>
-                  <a:srgbClr val="264D4D"/>
-                </a:solidFill>
-                <a:latin typeface="+mn-lt"/>
-              </a:defRPr>
-            </a:lvl3pPr>
-            <a:lvl4pPr marL="1600200" indent="-228600" algn="l" rtl="0" eaLnBrk="0" fontAlgn="base" hangingPunct="0">
-              <a:spcBef>
-                <a:spcPct val="20000"/>
-              </a:spcBef>
-              <a:spcAft>
-                <a:spcPct val="0"/>
-              </a:spcAft>
-              <a:buClr>
-                <a:schemeClr val="tx2">
-                  <a:lumMod val="75000"/>
-                </a:schemeClr>
-              </a:buClr>
-              <a:buChar char="•"/>
-              <a:defRPr sz="2000">
-                <a:solidFill>
-                  <a:srgbClr val="264D4D"/>
-                </a:solidFill>
-                <a:latin typeface="+mn-lt"/>
-              </a:defRPr>
-            </a:lvl4pPr>
-            <a:lvl5pPr marL="2057400" indent="-228600" algn="l" rtl="0" eaLnBrk="0" fontAlgn="base" hangingPunct="0">
-              <a:spcBef>
-                <a:spcPct val="20000"/>
-              </a:spcBef>
-              <a:spcAft>
-                <a:spcPct val="0"/>
-              </a:spcAft>
-              <a:buClr>
-                <a:schemeClr val="tx2">
-                  <a:lumMod val="75000"/>
-                </a:schemeClr>
-              </a:buClr>
-              <a:buChar char="•"/>
-              <a:defRPr sz="2000">
-                <a:solidFill>
-                  <a:srgbClr val="264D4D"/>
-                </a:solidFill>
-                <a:latin typeface="+mn-lt"/>
-              </a:defRPr>
-            </a:lvl5pPr>
-            <a:lvl6pPr marL="2514600" indent="-228600" algn="l" rtl="0" fontAlgn="base">
-              <a:spcBef>
-                <a:spcPct val="20000"/>
-              </a:spcBef>
-              <a:spcAft>
-                <a:spcPct val="0"/>
-              </a:spcAft>
-              <a:buClr>
-                <a:srgbClr val="000099"/>
-              </a:buClr>
-              <a:buChar char="•"/>
-              <a:defRPr sz="2000">
-                <a:solidFill>
-                  <a:schemeClr val="tx1"/>
-                </a:solidFill>
-                <a:latin typeface="+mn-lt"/>
-              </a:defRPr>
-            </a:lvl6pPr>
-            <a:lvl7pPr marL="2971800" indent="-228600" algn="l" rtl="0" fontAlgn="base">
-              <a:spcBef>
-                <a:spcPct val="20000"/>
-              </a:spcBef>
-              <a:spcAft>
-                <a:spcPct val="0"/>
-              </a:spcAft>
-              <a:buClr>
-                <a:srgbClr val="000099"/>
-              </a:buClr>
-              <a:buChar char="•"/>
-              <a:defRPr sz="2000">
-                <a:solidFill>
-                  <a:schemeClr val="tx1"/>
-                </a:solidFill>
-                <a:latin typeface="+mn-lt"/>
-              </a:defRPr>
-            </a:lvl7pPr>
-            <a:lvl8pPr marL="3429000" indent="-228600" algn="l" rtl="0" fontAlgn="base">
-              <a:spcBef>
-                <a:spcPct val="20000"/>
-              </a:spcBef>
-              <a:spcAft>
-                <a:spcPct val="0"/>
-              </a:spcAft>
-              <a:buClr>
-                <a:srgbClr val="000099"/>
-              </a:buClr>
-              <a:buChar char="•"/>
-              <a:defRPr sz="2000">
-                <a:solidFill>
-                  <a:schemeClr val="tx1"/>
-                </a:solidFill>
-                <a:latin typeface="+mn-lt"/>
-              </a:defRPr>
-            </a:lvl8pPr>
-            <a:lvl9pPr marL="3886200" indent="-228600" algn="l" rtl="0" fontAlgn="base">
-              <a:spcBef>
-                <a:spcPct val="20000"/>
-              </a:spcBef>
-              <a:spcAft>
-                <a:spcPct val="0"/>
-              </a:spcAft>
-              <a:buClr>
-                <a:srgbClr val="000099"/>
-              </a:buClr>
-              <a:buChar char="•"/>
-              <a:defRPr sz="2000">
-                <a:solidFill>
-                  <a:schemeClr val="tx1"/>
-                </a:solidFill>
-                <a:latin typeface="+mn-lt"/>
-              </a:defRPr>
-            </a:lvl9pPr>
-          </a:lstStyle>
-          <a:p>
-            <a:pPr marL="0" indent="0" algn="ctr">
-              <a:buNone/>
-              <a:defRPr/>
-            </a:pPr>
-            <a:r>
-              <a:rPr lang="en-US" sz="8640" b="1" dirty="0"/>
-              <a:t>Methods</a:t>
-            </a:r>
-            <a:br>
-              <a:rPr lang="en-US" sz="8640" b="1" dirty="0"/>
-            </a:br>
-            <a:endParaRPr lang="en-US" sz="8640" b="1" dirty="0"/>
-          </a:p>
-          <a:p>
-            <a:pPr marL="1112520" indent="-1112520">
-              <a:buFont typeface="Arial" pitchFamily="34" charset="0"/>
-              <a:buChar char="•"/>
-              <a:defRPr/>
-            </a:pPr>
-            <a:r>
-              <a:rPr lang="en-US" sz="4000" dirty="0"/>
-              <a:t>How did you solve your problem? There should be enough information here to allow another engineers to understand your process.</a:t>
-            </a:r>
-            <a:br>
-              <a:rPr lang="en-US" sz="4000" dirty="0"/>
-            </a:br>
-            <a:endParaRPr lang="en-US" sz="4000" dirty="0"/>
-          </a:p>
-          <a:p>
-            <a:pPr marL="1112520" indent="-1112520">
-              <a:buFont typeface="Arial" pitchFamily="34" charset="0"/>
-              <a:buChar char="•"/>
-              <a:defRPr/>
-            </a:pPr>
-            <a:r>
-              <a:rPr lang="en-US" sz="4000" dirty="0"/>
-              <a:t>If you had a complicated protocol, it may be helpful to include a diagram, table or flowchart to explain the methods you used.</a:t>
-            </a:r>
-            <a:br>
-              <a:rPr lang="en-US" sz="4000" dirty="0"/>
-            </a:br>
-            <a:endParaRPr lang="en-US" sz="4000" dirty="0"/>
-          </a:p>
-          <a:p>
-            <a:pPr marL="1112520" indent="-1112520">
-              <a:buFont typeface="Arial" pitchFamily="34" charset="0"/>
-              <a:buChar char="•"/>
-              <a:defRPr/>
-            </a:pPr>
-            <a:r>
-              <a:rPr lang="en-US" sz="4000" dirty="0"/>
-              <a:t>This is a good place to mention relevant ethical considerations.</a:t>
-            </a:r>
-          </a:p>
-        </p:txBody>
-      </p:sp>
-      <p:sp>
-        <p:nvSpPr>
-          <p:cNvPr id="10" name="Content Placeholder 2"/>
-          <p:cNvSpPr txBox="1">
-            <a:spLocks/>
-          </p:cNvSpPr>
-          <p:nvPr/>
-        </p:nvSpPr>
-        <p:spPr bwMode="auto">
-          <a:xfrm>
-            <a:off x="23095128" y="18076378"/>
-            <a:ext cx="19293843" cy="12070080"/>
-          </a:xfrm>
-          <a:prstGeom prst="rect">
-            <a:avLst/>
-          </a:prstGeom>
-          <a:noFill/>
-          <a:ln>
-            <a:noFill/>
-          </a:ln>
-          <a:extLst>
-            <a:ext uri="{909E8E84-426E-40DD-AFC4-6F175D3DCCD1}">
-              <a14:hiddenFill xmlns:a14="http://schemas.microsoft.com/office/drawing/2010/main">
-                <a:solidFill>
-                  <a:srgbClr val="FFFFFF"/>
-                </a:solidFill>
-              </a14:hiddenFill>
-            </a:ext>
-            <a:ext uri="{91240B29-F687-4F45-9708-019B960494DF}">
-              <a14:hiddenLine xmlns:a14="http://schemas.microsoft.com/office/drawing/2010/main" w="9525">
-                <a:solidFill>
-                  <a:srgbClr val="000000"/>
-                </a:solidFill>
-                <a:miter lim="800000"/>
-                <a:headEnd/>
-                <a:tailEnd/>
-              </a14:hiddenLine>
-            </a:ext>
-          </a:extLst>
-        </p:spPr>
-        <p:txBody>
-          <a:bodyPr/>
-          <a:lstStyle>
-            <a:lvl1pPr marL="342900" indent="-342900" algn="l" rtl="0" eaLnBrk="0" fontAlgn="base" hangingPunct="0">
-              <a:spcBef>
-                <a:spcPct val="20000"/>
-              </a:spcBef>
-              <a:spcAft>
-                <a:spcPct val="0"/>
-              </a:spcAft>
-              <a:buClr>
-                <a:schemeClr val="tx2">
-                  <a:lumMod val="75000"/>
-                </a:schemeClr>
-              </a:buClr>
-              <a:buFont typeface="Wingdings" pitchFamily="2" charset="2"/>
-              <a:buChar char="l"/>
-              <a:defRPr sz="3100">
-                <a:solidFill>
-                  <a:srgbClr val="264D4D"/>
-                </a:solidFill>
-                <a:latin typeface="+mn-lt"/>
-                <a:ea typeface="+mn-ea"/>
-                <a:cs typeface="+mn-cs"/>
-              </a:defRPr>
-            </a:lvl1pPr>
-            <a:lvl2pPr marL="742950" indent="-285750" algn="l" rtl="0" eaLnBrk="0" fontAlgn="base" hangingPunct="0">
-              <a:spcBef>
-                <a:spcPct val="20000"/>
-              </a:spcBef>
-              <a:spcAft>
-                <a:spcPct val="0"/>
-              </a:spcAft>
-              <a:buClr>
-                <a:schemeClr val="tx2">
-                  <a:lumMod val="75000"/>
-                </a:schemeClr>
-              </a:buClr>
-              <a:buChar char="•"/>
-              <a:defRPr sz="2600">
-                <a:solidFill>
-                  <a:srgbClr val="264D4D"/>
-                </a:solidFill>
-                <a:latin typeface="+mn-lt"/>
-              </a:defRPr>
-            </a:lvl2pPr>
-            <a:lvl3pPr marL="1143000" indent="-228600" algn="l" rtl="0" eaLnBrk="0" fontAlgn="base" hangingPunct="0">
-              <a:spcBef>
-                <a:spcPct val="20000"/>
-              </a:spcBef>
-              <a:spcAft>
-                <a:spcPct val="0"/>
-              </a:spcAft>
-              <a:buClr>
-                <a:schemeClr val="tx2">
-                  <a:lumMod val="75000"/>
-                </a:schemeClr>
-              </a:buClr>
-              <a:buChar char="•"/>
-              <a:defRPr sz="2200">
-                <a:solidFill>
-                  <a:srgbClr val="264D4D"/>
-                </a:solidFill>
-                <a:latin typeface="+mn-lt"/>
-              </a:defRPr>
-            </a:lvl3pPr>
-            <a:lvl4pPr marL="1600200" indent="-228600" algn="l" rtl="0" eaLnBrk="0" fontAlgn="base" hangingPunct="0">
-              <a:spcBef>
-                <a:spcPct val="20000"/>
-              </a:spcBef>
-              <a:spcAft>
-                <a:spcPct val="0"/>
-              </a:spcAft>
-              <a:buClr>
-                <a:schemeClr val="tx2">
-                  <a:lumMod val="75000"/>
-                </a:schemeClr>
-              </a:buClr>
-              <a:buChar char="•"/>
-              <a:defRPr sz="2000">
-                <a:solidFill>
-                  <a:srgbClr val="264D4D"/>
-                </a:solidFill>
-                <a:latin typeface="+mn-lt"/>
-              </a:defRPr>
-            </a:lvl4pPr>
-            <a:lvl5pPr marL="2057400" indent="-228600" algn="l" rtl="0" eaLnBrk="0" fontAlgn="base" hangingPunct="0">
-              <a:spcBef>
-                <a:spcPct val="20000"/>
-              </a:spcBef>
-              <a:spcAft>
-                <a:spcPct val="0"/>
-              </a:spcAft>
-              <a:buClr>
-                <a:schemeClr val="tx2">
-                  <a:lumMod val="75000"/>
-                </a:schemeClr>
-              </a:buClr>
-              <a:buChar char="•"/>
-              <a:defRPr sz="2000">
-                <a:solidFill>
-                  <a:srgbClr val="264D4D"/>
-                </a:solidFill>
-                <a:latin typeface="+mn-lt"/>
-              </a:defRPr>
-            </a:lvl5pPr>
-            <a:lvl6pPr marL="2514600" indent="-228600" algn="l" rtl="0" fontAlgn="base">
-              <a:spcBef>
-                <a:spcPct val="20000"/>
-              </a:spcBef>
-              <a:spcAft>
-                <a:spcPct val="0"/>
-              </a:spcAft>
-              <a:buClr>
-                <a:srgbClr val="000099"/>
-              </a:buClr>
-              <a:buChar char="•"/>
-              <a:defRPr sz="2000">
-                <a:solidFill>
-                  <a:schemeClr val="tx1"/>
-                </a:solidFill>
-                <a:latin typeface="+mn-lt"/>
-              </a:defRPr>
-            </a:lvl6pPr>
-            <a:lvl7pPr marL="2971800" indent="-228600" algn="l" rtl="0" fontAlgn="base">
-              <a:spcBef>
-                <a:spcPct val="20000"/>
-              </a:spcBef>
-              <a:spcAft>
-                <a:spcPct val="0"/>
-              </a:spcAft>
-              <a:buClr>
-                <a:srgbClr val="000099"/>
-              </a:buClr>
-              <a:buChar char="•"/>
-              <a:defRPr sz="2000">
-                <a:solidFill>
-                  <a:schemeClr val="tx1"/>
-                </a:solidFill>
-                <a:latin typeface="+mn-lt"/>
-              </a:defRPr>
-            </a:lvl7pPr>
-            <a:lvl8pPr marL="3429000" indent="-228600" algn="l" rtl="0" fontAlgn="base">
-              <a:spcBef>
-                <a:spcPct val="20000"/>
-              </a:spcBef>
-              <a:spcAft>
-                <a:spcPct val="0"/>
-              </a:spcAft>
-              <a:buClr>
-                <a:srgbClr val="000099"/>
-              </a:buClr>
-              <a:buChar char="•"/>
-              <a:defRPr sz="2000">
-                <a:solidFill>
-                  <a:schemeClr val="tx1"/>
-                </a:solidFill>
-                <a:latin typeface="+mn-lt"/>
-              </a:defRPr>
-            </a:lvl8pPr>
-            <a:lvl9pPr marL="3886200" indent="-228600" algn="l" rtl="0" fontAlgn="base">
-              <a:spcBef>
-                <a:spcPct val="20000"/>
-              </a:spcBef>
-              <a:spcAft>
-                <a:spcPct val="0"/>
-              </a:spcAft>
-              <a:buClr>
-                <a:srgbClr val="000099"/>
-              </a:buClr>
-              <a:buChar char="•"/>
-              <a:defRPr sz="2000">
-                <a:solidFill>
-                  <a:schemeClr val="tx1"/>
-                </a:solidFill>
-                <a:latin typeface="+mn-lt"/>
-              </a:defRPr>
-            </a:lvl9pPr>
-          </a:lstStyle>
-          <a:p>
-            <a:pPr marL="0" indent="0" algn="ctr">
-              <a:buNone/>
-              <a:defRPr/>
-            </a:pPr>
-            <a:r>
-              <a:rPr lang="en-US" sz="8640" b="1" dirty="0"/>
-              <a:t>Conclusion</a:t>
-            </a:r>
-            <a:br>
-              <a:rPr lang="en-US" sz="8640" b="1" dirty="0"/>
-            </a:br>
-            <a:endParaRPr lang="en-US" sz="8640" b="1" dirty="0"/>
-          </a:p>
-          <a:p>
-            <a:pPr marL="0" indent="0">
-              <a:buNone/>
-              <a:defRPr/>
-            </a:pPr>
-            <a:r>
-              <a:rPr lang="en-US" sz="4000" dirty="0"/>
-              <a:t>Highlight the most significant results.</a:t>
-            </a:r>
-            <a:br>
-              <a:rPr lang="en-US" sz="4000" dirty="0"/>
-            </a:br>
-            <a:endParaRPr lang="en-US" sz="4000" dirty="0"/>
-          </a:p>
-          <a:p>
-            <a:pPr marL="1112520" indent="-1112520">
-              <a:buFont typeface="Arial" pitchFamily="34" charset="0"/>
-              <a:buChar char="•"/>
-              <a:defRPr/>
-            </a:pPr>
-            <a:r>
-              <a:rPr lang="en-US" sz="4000" dirty="0"/>
-              <a:t>How do these results relate to the original problem?  Does the data suggest that your solution worked?</a:t>
-            </a:r>
-            <a:br>
-              <a:rPr lang="en-US" sz="4000" dirty="0"/>
-            </a:br>
-            <a:endParaRPr lang="en-US" sz="4000" dirty="0"/>
-          </a:p>
-          <a:p>
-            <a:pPr marL="1112520" indent="-1112520">
-              <a:buFont typeface="Arial" pitchFamily="34" charset="0"/>
-              <a:buChar char="•"/>
-              <a:defRPr/>
-            </a:pPr>
-            <a:r>
-              <a:rPr lang="en-US" sz="4000" dirty="0"/>
-              <a:t>What further research would be necessary to answer the questions raised by your results? </a:t>
-            </a:r>
-            <a:br>
-              <a:rPr lang="en-US" sz="4000" dirty="0"/>
-            </a:br>
-            <a:endParaRPr lang="en-US" sz="4000" dirty="0"/>
-          </a:p>
-          <a:p>
-            <a:pPr marL="1112520" indent="-1112520">
-              <a:buFont typeface="Arial" pitchFamily="34" charset="0"/>
-              <a:buChar char="•"/>
-              <a:defRPr/>
-            </a:pPr>
-            <a:r>
-              <a:rPr lang="en-US" sz="4000" dirty="0"/>
-              <a:t>How do your results fit into the big picture?</a:t>
-            </a:r>
-            <a:br>
-              <a:rPr lang="en-US" sz="4000" dirty="0"/>
-            </a:br>
-            <a:endParaRPr lang="en-US" sz="4000" dirty="0"/>
-          </a:p>
-          <a:p>
-            <a:pPr marL="1112520" indent="-1112520">
-              <a:buFont typeface="Arial" pitchFamily="34" charset="0"/>
-              <a:buChar char="•"/>
-              <a:defRPr/>
-            </a:pPr>
-            <a:r>
-              <a:rPr lang="en-US" sz="4000" dirty="0"/>
-              <a:t>What did you learn from doing the project?</a:t>
-            </a:r>
-          </a:p>
-          <a:p>
-            <a:pPr marL="1112520" indent="-1112520">
-              <a:buFont typeface="Arial" pitchFamily="34" charset="0"/>
-              <a:buChar char="•"/>
-              <a:defRPr/>
-            </a:pPr>
-            <a:endParaRPr lang="en-US" sz="4000" dirty="0"/>
-          </a:p>
-          <a:p>
-            <a:pPr marL="1112520" indent="-1112520">
-              <a:buFont typeface="Arial" pitchFamily="34" charset="0"/>
-              <a:buChar char="•"/>
-              <a:defRPr/>
-            </a:pPr>
-            <a:r>
-              <a:rPr lang="en-US" sz="4000" dirty="0"/>
-              <a:t>Where would you like this project to go from here?</a:t>
-            </a:r>
-          </a:p>
-        </p:txBody>
-      </p:sp>
-      <p:sp>
-        <p:nvSpPr>
-          <p:cNvPr id="11" name="Content Placeholder 2"/>
-          <p:cNvSpPr txBox="1">
-            <a:spLocks/>
-          </p:cNvSpPr>
-          <p:nvPr/>
-        </p:nvSpPr>
-        <p:spPr bwMode="auto">
-          <a:xfrm>
-            <a:off x="23554944" y="4835866"/>
-            <a:ext cx="19385280" cy="12070080"/>
-          </a:xfrm>
-          <a:prstGeom prst="rect">
-            <a:avLst/>
-          </a:prstGeom>
-          <a:noFill/>
-          <a:ln w="9525">
-            <a:noFill/>
-            <a:miter lim="800000"/>
-            <a:headEnd/>
-            <a:tailEnd/>
-          </a:ln>
-        </p:spPr>
-        <p:txBody>
-          <a:bodyPr/>
-          <a:lstStyle/>
-          <a:p>
-            <a:pPr algn="ctr">
-              <a:spcBef>
-                <a:spcPct val="20000"/>
-              </a:spcBef>
-              <a:buClr>
-                <a:srgbClr val="264D4D"/>
-              </a:buClr>
-            </a:pPr>
-            <a:r>
-              <a:rPr lang="en-US" b="1" dirty="0"/>
-              <a:t>System</a:t>
-            </a:r>
-          </a:p>
-          <a:p>
-            <a:pPr algn="ctr">
-              <a:spcBef>
-                <a:spcPct val="20000"/>
-              </a:spcBef>
-              <a:buClr>
-                <a:srgbClr val="264D4D"/>
-              </a:buClr>
-              <a:buFont typeface="Wingdings" pitchFamily="2" charset="2"/>
-              <a:buNone/>
-            </a:pPr>
-            <a:endParaRPr lang="en-US" u="sng" dirty="0">
-              <a:solidFill>
-                <a:srgbClr val="264D4D"/>
-              </a:solidFill>
-            </a:endParaRPr>
-          </a:p>
-          <a:p>
-            <a:pPr algn="ctr">
-              <a:spcBef>
-                <a:spcPct val="20000"/>
-              </a:spcBef>
-              <a:buClr>
-                <a:srgbClr val="264D4D"/>
-              </a:buClr>
-              <a:buFont typeface="Wingdings" pitchFamily="2" charset="2"/>
-              <a:buNone/>
-            </a:pPr>
-            <a:endParaRPr lang="en-US" u="sng" dirty="0">
-              <a:solidFill>
-                <a:srgbClr val="264D4D"/>
-              </a:solidFill>
-            </a:endParaRPr>
-          </a:p>
-          <a:p>
-            <a:pPr algn="ctr">
-              <a:spcBef>
-                <a:spcPct val="20000"/>
-              </a:spcBef>
-              <a:buClr>
-                <a:srgbClr val="264D4D"/>
-              </a:buClr>
-              <a:buFont typeface="Wingdings" pitchFamily="2" charset="2"/>
-              <a:buNone/>
-            </a:pPr>
-            <a:r>
-              <a:rPr lang="en-US" sz="4000" dirty="0">
-                <a:solidFill>
-                  <a:srgbClr val="264D4D"/>
-                </a:solidFill>
-              </a:rPr>
-              <a:t>Functional block diagram</a:t>
-            </a:r>
-          </a:p>
-          <a:p>
-            <a:pPr algn="ctr">
-              <a:spcBef>
-                <a:spcPct val="20000"/>
-              </a:spcBef>
-              <a:buClr>
-                <a:srgbClr val="264D4D"/>
-              </a:buClr>
-              <a:buFont typeface="Wingdings" pitchFamily="2" charset="2"/>
-              <a:buNone/>
-            </a:pPr>
-            <a:endParaRPr lang="en-US" sz="4000" dirty="0">
-              <a:solidFill>
-                <a:srgbClr val="264D4D"/>
-              </a:solidFill>
-            </a:endParaRPr>
-          </a:p>
-          <a:p>
-            <a:pPr algn="ctr">
-              <a:spcBef>
-                <a:spcPct val="20000"/>
-              </a:spcBef>
-              <a:buClr>
-                <a:srgbClr val="264D4D"/>
-              </a:buClr>
-              <a:buFont typeface="Wingdings" pitchFamily="2" charset="2"/>
-              <a:buNone/>
-            </a:pPr>
-            <a:r>
-              <a:rPr lang="en-US" sz="4000" dirty="0">
-                <a:solidFill>
-                  <a:srgbClr val="264D4D"/>
-                </a:solidFill>
-              </a:rPr>
-              <a:t>For software solutions, also include software design diagram</a:t>
-            </a:r>
-          </a:p>
-        </p:txBody>
-      </p:sp>
-      <p:sp>
-        <p:nvSpPr>
-          <p:cNvPr id="12" name="TextBox 11"/>
-          <p:cNvSpPr txBox="1"/>
-          <p:nvPr/>
-        </p:nvSpPr>
-        <p:spPr>
-          <a:xfrm>
-            <a:off x="15047369" y="31557252"/>
-            <a:ext cx="13796385" cy="498598"/>
-          </a:xfrm>
-          <a:prstGeom prst="rect">
-            <a:avLst/>
-          </a:prstGeom>
-          <a:noFill/>
-        </p:spPr>
-        <p:txBody>
-          <a:bodyPr wrap="square" lIns="0" tIns="0" rIns="0" bIns="0" rtlCol="0" anchor="t">
-            <a:spAutoFit/>
-          </a:bodyPr>
-          <a:lstStyle/>
-          <a:p>
-            <a:pPr algn="ctr">
-              <a:lnSpc>
-                <a:spcPct val="90000"/>
-              </a:lnSpc>
-              <a:spcBef>
-                <a:spcPts val="2880"/>
-              </a:spcBef>
-            </a:pPr>
-            <a:r>
-              <a:rPr lang="en-US" sz="3600" dirty="0"/>
-              <a:t>Team Members and Contact Information</a:t>
-            </a:r>
-          </a:p>
-        </p:txBody>
-      </p:sp>
-      <p:cxnSp>
-        <p:nvCxnSpPr>
-          <p:cNvPr id="14" name="Straight Connector 13"/>
-          <p:cNvCxnSpPr/>
-          <p:nvPr/>
-        </p:nvCxnSpPr>
-        <p:spPr>
-          <a:xfrm>
-            <a:off x="-33962" y="3968492"/>
-            <a:ext cx="43891200" cy="0"/>
-          </a:xfrm>
-          <a:prstGeom prst="line">
-            <a:avLst/>
-          </a:prstGeom>
-        </p:spPr>
-        <p:style>
-          <a:lnRef idx="1">
-            <a:schemeClr val="accent1"/>
-          </a:lnRef>
-          <a:fillRef idx="0">
-            <a:schemeClr val="accent1"/>
-          </a:fillRef>
-          <a:effectRef idx="0">
-            <a:schemeClr val="accent1"/>
-          </a:effectRef>
-          <a:fontRef idx="minor">
-            <a:schemeClr val="tx1"/>
-          </a:fontRef>
-        </p:style>
-      </p:cxnSp>
-      <p:cxnSp>
-        <p:nvCxnSpPr>
-          <p:cNvPr id="16" name="Straight Connector 15"/>
-          <p:cNvCxnSpPr/>
-          <p:nvPr/>
-        </p:nvCxnSpPr>
-        <p:spPr>
-          <a:xfrm>
-            <a:off x="-146304" y="30658513"/>
-            <a:ext cx="43891200" cy="0"/>
-          </a:xfrm>
-          <a:prstGeom prst="line">
-            <a:avLst/>
-          </a:prstGeom>
-        </p:spPr>
-        <p:style>
-          <a:lnRef idx="1">
-            <a:schemeClr val="accent1"/>
-          </a:lnRef>
-          <a:fillRef idx="0">
-            <a:schemeClr val="accent1"/>
-          </a:fillRef>
-          <a:effectRef idx="0">
-            <a:schemeClr val="accent1"/>
-          </a:effectRef>
-          <a:fontRef idx="minor">
-            <a:schemeClr val="tx1"/>
-          </a:fontRef>
-        </p:style>
-      </p:cxnSp>
-      <p:sp>
-        <p:nvSpPr>
-          <p:cNvPr id="17" name="TextBox 16"/>
-          <p:cNvSpPr txBox="1"/>
-          <p:nvPr/>
-        </p:nvSpPr>
-        <p:spPr>
-          <a:xfrm>
-            <a:off x="-51101" y="31285497"/>
-            <a:ext cx="13796385" cy="997196"/>
-          </a:xfrm>
-          <a:prstGeom prst="rect">
-            <a:avLst/>
-          </a:prstGeom>
-          <a:noFill/>
-        </p:spPr>
-        <p:txBody>
-          <a:bodyPr wrap="square" lIns="0" tIns="0" rIns="0" bIns="0" rtlCol="0" anchor="t">
-            <a:spAutoFit/>
-          </a:bodyPr>
-          <a:lstStyle/>
-          <a:p>
-            <a:pPr algn="ctr">
-              <a:lnSpc>
-                <a:spcPct val="90000"/>
-              </a:lnSpc>
-              <a:spcBef>
-                <a:spcPts val="2880"/>
-              </a:spcBef>
-            </a:pPr>
-            <a:r>
-              <a:rPr lang="en-US" sz="3600" dirty="0"/>
-              <a:t>Add logo from </a:t>
-            </a:r>
-            <a:r>
-              <a:rPr lang="en-US" sz="3600" dirty="0">
-                <a:hlinkClick r:id="rId3"/>
-              </a:rPr>
-              <a:t>https://engineering.usu.edu/about/logos-and-wordmarks</a:t>
-            </a:r>
-            <a:r>
-              <a:rPr lang="en-US" sz="3600" dirty="0"/>
-              <a:t> in one of the corners of the chart.</a:t>
-            </a:r>
-          </a:p>
-        </p:txBody>
-      </p:sp>
-      <p:sp>
-        <p:nvSpPr>
-          <p:cNvPr id="19" name="TextBox 18"/>
-          <p:cNvSpPr txBox="1"/>
-          <p:nvPr/>
-        </p:nvSpPr>
-        <p:spPr>
-          <a:xfrm>
-            <a:off x="29699527" y="31546367"/>
-            <a:ext cx="13796385" cy="498598"/>
-          </a:xfrm>
-          <a:prstGeom prst="rect">
-            <a:avLst/>
-          </a:prstGeom>
-          <a:noFill/>
-        </p:spPr>
-        <p:txBody>
-          <a:bodyPr wrap="square" lIns="0" tIns="0" rIns="0" bIns="0" rtlCol="0" anchor="t">
-            <a:spAutoFit/>
-          </a:bodyPr>
-          <a:lstStyle/>
-          <a:p>
-            <a:pPr algn="ctr">
-              <a:lnSpc>
-                <a:spcPct val="90000"/>
-              </a:lnSpc>
-              <a:spcBef>
-                <a:spcPts val="2880"/>
-              </a:spcBef>
-            </a:pPr>
-            <a:r>
-              <a:rPr lang="en-US" sz="3600" dirty="0"/>
-              <a:t>If appropriate, add thanks to faculty mentor or corporate sponsor.</a:t>
-            </a:r>
-          </a:p>
-        </p:txBody>
-      </p:sp>
-    </p:spTree>
-    <p:extLst>
-      <p:ext uri="{BB962C8B-B14F-4D97-AF65-F5344CB8AC3E}">
-        <p14:creationId xmlns:p14="http://schemas.microsoft.com/office/powerpoint/2010/main" val="3496592921"/>
-      </p:ext>
-    </p:extLst>
-  </p:cSld>
-  <p:clrMapOvr>
-    <a:masterClrMapping/>
-  </p:clrMapOvr>
-  <p:transition>
-    <p:fade/>
-  </p:transition>
-</p:sld>
-</file>
-
-<file path=ppt/slides/slide2.xml><?xml version="1.0" encoding="utf-8"?>
-<p:sld xmlns:a="http://schemas.openxmlformats.org/drawingml/2006/main" xmlns:r="http://schemas.openxmlformats.org/officeDocument/2006/relationships" xmlns:p="http://schemas.openxmlformats.org/presentationml/2006/main" showMasterSp="0">
-  <p:cSld>
-    <p:spTree>
-      <p:nvGrpSpPr>
-        <p:cNvPr id="1" name=""/>
-        <p:cNvGrpSpPr/>
-        <p:nvPr/>
-      </p:nvGrpSpPr>
-      <p:grpSpPr>
-        <a:xfrm>
-          <a:off x="0" y="0"/>
-          <a:ext cx="0" cy="0"/>
-          <a:chOff x="0" y="0"/>
-          <a:chExt cx="0" cy="0"/>
-        </a:xfrm>
-      </p:grpSpPr>
-      <p:sp>
-        <p:nvSpPr>
           <p:cNvPr id="18" name="Content Placeholder 2">
             <a:extLst>
               <a:ext uri="{FF2B5EF4-FFF2-40B4-BE49-F238E27FC236}">
@@ -3260,7 +2088,7 @@
         <p:spPr>
           <a:xfrm>
             <a:off x="1623891" y="4835865"/>
-            <a:ext cx="18934343" cy="8793561"/>
+            <a:ext cx="18934343" cy="10839249"/>
           </a:xfrm>
           <a:prstGeom prst="rect">
             <a:avLst/>
@@ -3284,6 +2112,17 @@
             </a:r>
           </a:p>
           <a:p>
+            <a:pPr marL="0" indent="0" algn="ctr">
+              <a:buNone/>
+              <a:defRPr/>
+            </a:pPr>
+            <a:endParaRPr lang="en-US" sz="4800" b="1" dirty="0">
+              <a:solidFill>
+                <a:srgbClr val="00B050"/>
+              </a:solidFill>
+            </a:endParaRPr>
+          </a:p>
+          <a:p>
             <a:pPr marL="0" indent="0">
               <a:buNone/>
               <a:defRPr/>
@@ -3308,7 +2147,7 @@
             </a:pPr>
             <a:r>
               <a:rPr lang="en-US" sz="4000" dirty="0"/>
-              <a:t>Large commercial farms are heavily automated to ensure positive results.</a:t>
+              <a:t>Farms, especially large commercial farms, are heavily automated to ensure positive results.</a:t>
             </a:r>
           </a:p>
           <a:p>
@@ -3861,7 +2700,7 @@
                 </a:solidFill>
                 <a:cs typeface="Arial" pitchFamily="34" charset="0"/>
               </a:rPr>
-              <a:t>These goals were all met to varying degrees.</a:t>
+              <a:t>These goals were all met.</a:t>
             </a:r>
           </a:p>
           <a:p>
@@ -3886,7 +2725,7 @@
                 </a:solidFill>
                 <a:cs typeface="Arial" pitchFamily="34" charset="0"/>
               </a:rPr>
-              <a:t>Many lessons were learned through this project, many about the importance of planning for unexpected setbacks.</a:t>
+              <a:t>Many lessons were learned through this project, many about the importance of flexibility in planning.</a:t>
             </a:r>
           </a:p>
           <a:p>
@@ -3911,7 +2750,7 @@
                 </a:solidFill>
                 <a:cs typeface="Arial" pitchFamily="34" charset="0"/>
               </a:rPr>
-              <a:t>In the future, this could become a much more polished product that does an even better job of maintaining conditions, as well as having more features such as wireless connectivity.</a:t>
+              <a:t>In the future, this could become a product that does an even better job of maintaining conditions, as well as having more features such as wireless connectivity.</a:t>
             </a:r>
           </a:p>
         </p:txBody>
@@ -4450,7 +3289,7 @@
         </p:nvSpPr>
         <p:spPr>
           <a:xfrm>
-            <a:off x="9039180" y="20482405"/>
+            <a:off x="9028254" y="21343840"/>
             <a:ext cx="12518773" cy="7186583"/>
           </a:xfrm>
           <a:prstGeom prst="rect">
@@ -4489,7 +3328,7 @@
                   <a:srgbClr val="264D4D"/>
                 </a:solidFill>
               </a:rPr>
-              <a:t>No reason to reinvent the wheel over and over.</a:t>
+              <a:t>Utilizes existing environmental control technologies.</a:t>
             </a:r>
           </a:p>
           <a:p>
@@ -4518,7 +3357,7 @@
                   <a:srgbClr val="264D4D"/>
                 </a:solidFill>
               </a:rPr>
-              <a:t>Utilizes existing environmental control technologies.</a:t>
+              <a:t>Controls these technologies using a microcontroller, sensors, and timers.</a:t>
             </a:r>
           </a:p>
           <a:p>
@@ -4547,7 +3386,7 @@
                   <a:srgbClr val="264D4D"/>
                 </a:solidFill>
               </a:rPr>
-              <a:t>Controls these technologies using a microcontroller, sensors, and timers.</a:t>
+              <a:t>Controls each subsystem’s power source to allow scaling and increase repairability.</a:t>
             </a:r>
           </a:p>
           <a:p>
@@ -4576,7 +3415,7 @@
                   <a:srgbClr val="264D4D"/>
                 </a:solidFill>
               </a:rPr>
-              <a:t>Controls each subsystem’s power source to allow scaling and increase repairability.</a:t>
+              <a:t>Features simple and easy user interface.</a:t>
             </a:r>
           </a:p>
           <a:p>
